--- a/PPTs/ProgramacionII_Clase_24-2021.pptx
+++ b/PPTs/ProgramacionII_Clase_24-2021.pptx
@@ -230,7 +230,7 @@
           <a:p>
             <a:fld id="{9E773DE6-DE1A-4DB8-BCA4-E501DEAF0967}" type="datetimeFigureOut">
               <a:rPr lang="es-AR" smtClean="0"/>
-              <a:t>25/10/2021</a:t>
+              <a:t>3/11/2021</a:t>
             </a:fld>
             <a:endParaRPr lang="es-AR"/>
           </a:p>
@@ -1153,7 +1153,7 @@
           <a:p>
             <a:fld id="{78ABE3C1-DBE1-495D-B57B-2849774B866A}" type="datetimeFigureOut">
               <a:rPr lang="en-US" dirty="0"/>
-              <a:t>10/25/2021</a:t>
+              <a:t>11/3/2021</a:t>
             </a:fld>
             <a:endParaRPr lang="en-US" dirty="0"/>
           </a:p>
@@ -1562,7 +1562,7 @@
           <a:p>
             <a:fld id="{446C117F-5CCF-4837-BE5F-2B92066CAFAF}" type="datetimeFigureOut">
               <a:rPr lang="en-US" dirty="0"/>
-              <a:t>10/25/2021</a:t>
+              <a:t>11/3/2021</a:t>
             </a:fld>
             <a:endParaRPr lang="en-US" dirty="0"/>
           </a:p>
@@ -1893,7 +1893,7 @@
           <a:p>
             <a:fld id="{84EB90BD-B6CE-46B7-997F-7313B992CCDC}" type="datetimeFigureOut">
               <a:rPr lang="en-US" dirty="0"/>
-              <a:t>10/25/2021</a:t>
+              <a:t>11/3/2021</a:t>
             </a:fld>
             <a:endParaRPr lang="en-US" dirty="0"/>
           </a:p>
@@ -2293,7 +2293,7 @@
           <a:p>
             <a:fld id="{CDB9D11F-B188-461D-B23F-39381795C052}" type="datetimeFigureOut">
               <a:rPr lang="en-US" dirty="0"/>
-              <a:t>10/25/2021</a:t>
+              <a:t>11/3/2021</a:t>
             </a:fld>
             <a:endParaRPr lang="en-US" dirty="0"/>
           </a:p>
@@ -2856,7 +2856,7 @@
           <a:p>
             <a:fld id="{52E6D8D9-55A2-4063-B0F3-121F44549695}" type="datetimeFigureOut">
               <a:rPr lang="en-US" dirty="0"/>
-              <a:t>10/25/2021</a:t>
+              <a:t>11/3/2021</a:t>
             </a:fld>
             <a:endParaRPr lang="en-US" dirty="0"/>
           </a:p>
@@ -3532,7 +3532,7 @@
           <a:p>
             <a:fld id="{D4B24536-994D-4021-A283-9F449C0DB509}" type="datetimeFigureOut">
               <a:rPr lang="en-US" dirty="0"/>
-              <a:t>10/25/2021</a:t>
+              <a:t>11/3/2021</a:t>
             </a:fld>
             <a:endParaRPr lang="en-US" dirty="0"/>
           </a:p>
@@ -4440,7 +4440,7 @@
           <a:p>
             <a:fld id="{3CBBBB78-C96F-47B7-AB17-D852CA960AC9}" type="datetimeFigureOut">
               <a:rPr lang="en-US" dirty="0"/>
-              <a:t>10/25/2021</a:t>
+              <a:t>11/3/2021</a:t>
             </a:fld>
             <a:endParaRPr lang="en-US" dirty="0"/>
           </a:p>
@@ -4748,7 +4748,7 @@
           <a:p>
             <a:fld id="{1FA3F48C-C7C6-4055-9F49-3777875E72AE}" type="datetimeFigureOut">
               <a:rPr lang="en-US" dirty="0"/>
-              <a:t>10/25/2021</a:t>
+              <a:t>11/3/2021</a:t>
             </a:fld>
             <a:endParaRPr lang="en-US" dirty="0"/>
           </a:p>
@@ -5007,7 +5007,7 @@
           <a:p>
             <a:fld id="{6178E61D-D431-422C-9764-11DAFE33AB63}" type="datetimeFigureOut">
               <a:rPr lang="en-US" dirty="0"/>
-              <a:t>10/25/2021</a:t>
+              <a:t>11/3/2021</a:t>
             </a:fld>
             <a:endParaRPr lang="en-US" dirty="0"/>
           </a:p>
@@ -5326,7 +5326,7 @@
           <a:p>
             <a:fld id="{12DE42F4-6EEF-4EF7-8ED4-2208F0F89A08}" type="datetimeFigureOut">
               <a:rPr lang="en-US" dirty="0"/>
-              <a:t>10/25/2021</a:t>
+              <a:t>11/3/2021</a:t>
             </a:fld>
             <a:endParaRPr lang="en-US" dirty="0"/>
           </a:p>
@@ -5710,7 +5710,7 @@
           <a:p>
             <a:fld id="{30578ACC-22D6-47C1-A373-4FD133E34F3C}" type="datetimeFigureOut">
               <a:rPr lang="en-US" dirty="0"/>
-              <a:t>10/25/2021</a:t>
+              <a:t>11/3/2021</a:t>
             </a:fld>
             <a:endParaRPr lang="en-US" dirty="0"/>
           </a:p>
@@ -6081,7 +6081,7 @@
           <a:p>
             <a:fld id="{4E5A6C69-6797-4E8A-BF37-F2C3751466E9}" type="datetimeFigureOut">
               <a:rPr lang="en-US" dirty="0"/>
-              <a:t>10/25/2021</a:t>
+              <a:t>11/3/2021</a:t>
             </a:fld>
             <a:endParaRPr lang="en-US" dirty="0"/>
           </a:p>
@@ -6582,7 +6582,7 @@
           <a:p>
             <a:fld id="{D82014A1-A632-4878-A0D3-F52BA7563730}" type="datetimeFigureOut">
               <a:rPr lang="en-US" dirty="0"/>
-              <a:t>10/25/2021</a:t>
+              <a:t>11/3/2021</a:t>
             </a:fld>
             <a:endParaRPr lang="en-US" dirty="0"/>
           </a:p>
@@ -6834,7 +6834,7 @@
           <a:p>
             <a:fld id="{CE99F462-093F-4566-844B-4C71F2739DA5}" type="datetimeFigureOut">
               <a:rPr lang="en-US" dirty="0"/>
-              <a:t>10/25/2021</a:t>
+              <a:t>11/3/2021</a:t>
             </a:fld>
             <a:endParaRPr lang="en-US" dirty="0"/>
           </a:p>
@@ -6992,7 +6992,7 @@
           <a:p>
             <a:fld id="{3D24A7AC-904D-4781-85BA-7D10C17ED021}" type="datetimeFigureOut">
               <a:rPr lang="en-US" dirty="0"/>
-              <a:t>10/25/2021</a:t>
+              <a:t>11/3/2021</a:t>
             </a:fld>
             <a:endParaRPr lang="en-US" dirty="0"/>
           </a:p>
@@ -7377,7 +7377,7 @@
           <a:p>
             <a:fld id="{E331444B-B92B-4E27-8C94-BB93EAF5CB18}" type="datetimeFigureOut">
               <a:rPr lang="en-US" dirty="0"/>
-              <a:t>10/25/2021</a:t>
+              <a:t>11/3/2021</a:t>
             </a:fld>
             <a:endParaRPr lang="en-US" dirty="0"/>
           </a:p>
@@ -7781,7 +7781,7 @@
           <a:p>
             <a:fld id="{363EFA5E-FA76-400D-B3DC-F0BA90E6D107}" type="datetimeFigureOut">
               <a:rPr lang="en-US" dirty="0"/>
-              <a:t>10/25/2021</a:t>
+              <a:t>11/3/2021</a:t>
             </a:fld>
             <a:endParaRPr lang="en-US" dirty="0"/>
           </a:p>
@@ -8020,7 +8020,7 @@
           <a:p>
             <a:fld id="{9D6E9DEC-419B-4CC5-A080-3B06BD5A8291}" type="datetimeFigureOut">
               <a:rPr lang="en-US" dirty="0"/>
-              <a:t>10/25/2021</a:t>
+              <a:t>11/3/2021</a:t>
             </a:fld>
             <a:endParaRPr lang="en-US" dirty="0"/>
           </a:p>
@@ -9697,7 +9697,7 @@
         <p:spPr/>
         <p:txBody>
           <a:bodyPr>
-            <a:normAutofit fontScale="92500"/>
+            <a:noAutofit/>
           </a:bodyPr>
           <a:lstStyle/>
           <a:p>
@@ -9999,250 +9999,463 @@
         </p:nvSpPr>
         <p:spPr/>
         <p:txBody>
-          <a:bodyPr/>
+          <a:bodyPr>
+            <a:normAutofit/>
+          </a:bodyPr>
           <a:lstStyle/>
           <a:p>
             <a:r>
-              <a:rPr lang="en-US" b="0" i="0" dirty="0">
-                <a:effectLst/>
-                <a:latin typeface="Slack-Lato"/>
+              <a:rPr lang="en-US" sz="2800" b="0" i="0" dirty="0">
+                <a:effectLst>
+                  <a:outerShdw blurRad="38100" dist="38100" dir="2700000" algn="tl">
+                    <a:srgbClr val="000000">
+                      <a:alpha val="43137"/>
+                    </a:srgbClr>
+                  </a:outerShdw>
+                </a:effectLst>
+                <a:latin typeface="Franklin Gothic Medium" panose="020B0603020102020204" pitchFamily="34" charset="0"/>
               </a:rPr>
               <a:t>A </a:t>
             </a:r>
             <a:r>
-              <a:rPr lang="en-US" b="0" i="0" dirty="0" err="1">
-                <a:effectLst/>
-                <a:latin typeface="Slack-Lato"/>
+              <a:rPr lang="en-US" sz="2800" b="0" i="0" dirty="0" err="1">
+                <a:effectLst>
+                  <a:outerShdw blurRad="38100" dist="38100" dir="2700000" algn="tl">
+                    <a:srgbClr val="000000">
+                      <a:alpha val="43137"/>
+                    </a:srgbClr>
+                  </a:outerShdw>
+                </a:effectLst>
+                <a:latin typeface="Franklin Gothic Medium" panose="020B0603020102020204" pitchFamily="34" charset="0"/>
               </a:rPr>
               <a:t>veces</a:t>
             </a:r>
             <a:r>
-              <a:rPr lang="en-US" b="0" i="0" dirty="0">
-                <a:effectLst/>
-                <a:latin typeface="Slack-Lato"/>
+              <a:rPr lang="en-US" sz="2800" b="0" i="0" dirty="0">
+                <a:effectLst>
+                  <a:outerShdw blurRad="38100" dist="38100" dir="2700000" algn="tl">
+                    <a:srgbClr val="000000">
+                      <a:alpha val="43137"/>
+                    </a:srgbClr>
+                  </a:outerShdw>
+                </a:effectLst>
+                <a:latin typeface="Franklin Gothic Medium" panose="020B0603020102020204" pitchFamily="34" charset="0"/>
               </a:rPr>
               <a:t> no </a:t>
             </a:r>
             <a:r>
-              <a:rPr lang="en-US" b="0" i="0" dirty="0" err="1">
-                <a:effectLst/>
-                <a:latin typeface="Slack-Lato"/>
+              <a:rPr lang="en-US" sz="2800" b="0" i="0" dirty="0" err="1">
+                <a:effectLst>
+                  <a:outerShdw blurRad="38100" dist="38100" dir="2700000" algn="tl">
+                    <a:srgbClr val="000000">
+                      <a:alpha val="43137"/>
+                    </a:srgbClr>
+                  </a:outerShdw>
+                </a:effectLst>
+                <a:latin typeface="Franklin Gothic Medium" panose="020B0603020102020204" pitchFamily="34" charset="0"/>
               </a:rPr>
               <a:t>queremos</a:t>
             </a:r>
             <a:r>
-              <a:rPr lang="en-US" b="0" i="0" dirty="0">
-                <a:effectLst/>
-                <a:latin typeface="Slack-Lato"/>
+              <a:rPr lang="en-US" sz="2800" b="0" i="0" dirty="0">
+                <a:effectLst>
+                  <a:outerShdw blurRad="38100" dist="38100" dir="2700000" algn="tl">
+                    <a:srgbClr val="000000">
+                      <a:alpha val="43137"/>
+                    </a:srgbClr>
+                  </a:outerShdw>
+                </a:effectLst>
+                <a:latin typeface="Franklin Gothic Medium" panose="020B0603020102020204" pitchFamily="34" charset="0"/>
               </a:rPr>
               <a:t> </a:t>
             </a:r>
             <a:r>
-              <a:rPr lang="en-US" b="0" i="0" dirty="0" err="1">
-                <a:effectLst/>
-                <a:latin typeface="Slack-Lato"/>
+              <a:rPr lang="en-US" sz="2800" b="0" i="0" dirty="0" err="1">
+                <a:effectLst>
+                  <a:outerShdw blurRad="38100" dist="38100" dir="2700000" algn="tl">
+                    <a:srgbClr val="000000">
+                      <a:alpha val="43137"/>
+                    </a:srgbClr>
+                  </a:outerShdw>
+                </a:effectLst>
+                <a:latin typeface="Franklin Gothic Medium" panose="020B0603020102020204" pitchFamily="34" charset="0"/>
               </a:rPr>
               <a:t>serializar</a:t>
             </a:r>
             <a:r>
-              <a:rPr lang="en-US" b="0" i="0" dirty="0">
-                <a:effectLst/>
-                <a:latin typeface="Slack-Lato"/>
+              <a:rPr lang="en-US" sz="2800" b="0" i="0" dirty="0">
+                <a:effectLst>
+                  <a:outerShdw blurRad="38100" dist="38100" dir="2700000" algn="tl">
+                    <a:srgbClr val="000000">
+                      <a:alpha val="43137"/>
+                    </a:srgbClr>
+                  </a:outerShdw>
+                </a:effectLst>
+                <a:latin typeface="Franklin Gothic Medium" panose="020B0603020102020204" pitchFamily="34" charset="0"/>
               </a:rPr>
               <a:t> </a:t>
             </a:r>
             <a:r>
-              <a:rPr lang="en-US" b="0" i="0" dirty="0" err="1">
-                <a:effectLst/>
-                <a:latin typeface="Slack-Lato"/>
+              <a:rPr lang="en-US" sz="2800" b="0" i="0" dirty="0" err="1">
+                <a:effectLst>
+                  <a:outerShdw blurRad="38100" dist="38100" dir="2700000" algn="tl">
+                    <a:srgbClr val="000000">
+                      <a:alpha val="43137"/>
+                    </a:srgbClr>
+                  </a:outerShdw>
+                </a:effectLst>
+                <a:latin typeface="Franklin Gothic Medium" panose="020B0603020102020204" pitchFamily="34" charset="0"/>
               </a:rPr>
               <a:t>toda</a:t>
             </a:r>
             <a:r>
-              <a:rPr lang="en-US" b="0" i="0" dirty="0">
-                <a:effectLst/>
-                <a:latin typeface="Slack-Lato"/>
+              <a:rPr lang="en-US" sz="2800" b="0" i="0" dirty="0">
+                <a:effectLst>
+                  <a:outerShdw blurRad="38100" dist="38100" dir="2700000" algn="tl">
+                    <a:srgbClr val="000000">
+                      <a:alpha val="43137"/>
+                    </a:srgbClr>
+                  </a:outerShdw>
+                </a:effectLst>
+                <a:latin typeface="Franklin Gothic Medium" panose="020B0603020102020204" pitchFamily="34" charset="0"/>
               </a:rPr>
               <a:t> la </a:t>
             </a:r>
             <a:r>
-              <a:rPr lang="en-US" b="0" i="0" dirty="0" err="1">
-                <a:effectLst/>
-                <a:latin typeface="Slack-Lato"/>
+              <a:rPr lang="en-US" sz="2800" b="0" i="0" dirty="0" err="1">
+                <a:effectLst>
+                  <a:outerShdw blurRad="38100" dist="38100" dir="2700000" algn="tl">
+                    <a:srgbClr val="000000">
+                      <a:alpha val="43137"/>
+                    </a:srgbClr>
+                  </a:outerShdw>
+                </a:effectLst>
+                <a:latin typeface="Franklin Gothic Medium" panose="020B0603020102020204" pitchFamily="34" charset="0"/>
               </a:rPr>
               <a:t>clase</a:t>
             </a:r>
             <a:r>
-              <a:rPr lang="en-US" b="0" i="0" dirty="0">
-                <a:effectLst/>
-                <a:latin typeface="Slack-Lato"/>
+              <a:rPr lang="en-US" sz="2800" b="0" i="0" dirty="0">
+                <a:effectLst>
+                  <a:outerShdw blurRad="38100" dist="38100" dir="2700000" algn="tl">
+                    <a:srgbClr val="000000">
+                      <a:alpha val="43137"/>
+                    </a:srgbClr>
+                  </a:outerShdw>
+                </a:effectLst>
+                <a:latin typeface="Franklin Gothic Medium" panose="020B0603020102020204" pitchFamily="34" charset="0"/>
               </a:rPr>
               <a:t>, o temenos un </a:t>
             </a:r>
             <a:r>
-              <a:rPr lang="en-US" b="0" i="0" dirty="0" err="1">
-                <a:effectLst/>
-                <a:latin typeface="Slack-Lato"/>
+              <a:rPr lang="en-US" sz="2800" b="0" i="0" dirty="0" err="1">
+                <a:effectLst>
+                  <a:outerShdw blurRad="38100" dist="38100" dir="2700000" algn="tl">
+                    <a:srgbClr val="000000">
+                      <a:alpha val="43137"/>
+                    </a:srgbClr>
+                  </a:outerShdw>
+                </a:effectLst>
+                <a:latin typeface="Franklin Gothic Medium" panose="020B0603020102020204" pitchFamily="34" charset="0"/>
               </a:rPr>
               <a:t>evento</a:t>
             </a:r>
             <a:r>
-              <a:rPr lang="en-US" b="0" i="0" dirty="0">
-                <a:effectLst/>
-                <a:latin typeface="Slack-Lato"/>
+              <a:rPr lang="en-US" sz="2800" b="0" i="0" dirty="0">
+                <a:effectLst>
+                  <a:outerShdw blurRad="38100" dist="38100" dir="2700000" algn="tl">
+                    <a:srgbClr val="000000">
+                      <a:alpha val="43137"/>
+                    </a:srgbClr>
+                  </a:outerShdw>
+                </a:effectLst>
+                <a:latin typeface="Franklin Gothic Medium" panose="020B0603020102020204" pitchFamily="34" charset="0"/>
               </a:rPr>
               <a:t> </a:t>
             </a:r>
             <a:r>
-              <a:rPr lang="en-US" b="0" i="0" dirty="0" err="1">
-                <a:effectLst/>
-                <a:latin typeface="Slack-Lato"/>
+              <a:rPr lang="en-US" sz="2800" b="0" i="0" dirty="0" err="1">
+                <a:effectLst>
+                  <a:outerShdw blurRad="38100" dist="38100" dir="2700000" algn="tl">
+                    <a:srgbClr val="000000">
+                      <a:alpha val="43137"/>
+                    </a:srgbClr>
+                  </a:outerShdw>
+                </a:effectLst>
+                <a:latin typeface="Franklin Gothic Medium" panose="020B0603020102020204" pitchFamily="34" charset="0"/>
               </a:rPr>
               <a:t>asociado</a:t>
             </a:r>
             <a:r>
-              <a:rPr lang="en-US" b="0" i="0" dirty="0">
-                <a:effectLst/>
-                <a:latin typeface="Slack-Lato"/>
+              <a:rPr lang="en-US" sz="2800" b="0" i="0" dirty="0">
+                <a:effectLst>
+                  <a:outerShdw blurRad="38100" dist="38100" dir="2700000" algn="tl">
+                    <a:srgbClr val="000000">
+                      <a:alpha val="43137"/>
+                    </a:srgbClr>
+                  </a:outerShdw>
+                </a:effectLst>
+                <a:latin typeface="Franklin Gothic Medium" panose="020B0603020102020204" pitchFamily="34" charset="0"/>
               </a:rPr>
               <a:t> a una </a:t>
             </a:r>
             <a:r>
-              <a:rPr lang="en-US" b="0" i="0" dirty="0" err="1">
-                <a:effectLst/>
-                <a:latin typeface="Slack-Lato"/>
+              <a:rPr lang="en-US" sz="2800" b="0" i="0" dirty="0" err="1">
+                <a:effectLst>
+                  <a:outerShdw blurRad="38100" dist="38100" dir="2700000" algn="tl">
+                    <a:srgbClr val="000000">
+                      <a:alpha val="43137"/>
+                    </a:srgbClr>
+                  </a:outerShdw>
+                </a:effectLst>
+                <a:latin typeface="Franklin Gothic Medium" panose="020B0603020102020204" pitchFamily="34" charset="0"/>
               </a:rPr>
               <a:t>clase</a:t>
             </a:r>
             <a:r>
-              <a:rPr lang="en-US" b="0" i="0" dirty="0">
-                <a:effectLst/>
-                <a:latin typeface="Slack-Lato"/>
+              <a:rPr lang="en-US" sz="2800" b="0" i="0" dirty="0">
+                <a:effectLst>
+                  <a:outerShdw blurRad="38100" dist="38100" dir="2700000" algn="tl">
+                    <a:srgbClr val="000000">
+                      <a:alpha val="43137"/>
+                    </a:srgbClr>
+                  </a:outerShdw>
+                </a:effectLst>
+                <a:latin typeface="Franklin Gothic Medium" panose="020B0603020102020204" pitchFamily="34" charset="0"/>
               </a:rPr>
               <a:t> que no </a:t>
             </a:r>
             <a:r>
-              <a:rPr lang="en-US" b="0" i="0" dirty="0" err="1">
-                <a:effectLst/>
-                <a:latin typeface="Slack-Lato"/>
+              <a:rPr lang="en-US" sz="2800" b="0" i="0" dirty="0" err="1">
+                <a:effectLst>
+                  <a:outerShdw blurRad="38100" dist="38100" dir="2700000" algn="tl">
+                    <a:srgbClr val="000000">
+                      <a:alpha val="43137"/>
+                    </a:srgbClr>
+                  </a:outerShdw>
+                </a:effectLst>
+                <a:latin typeface="Franklin Gothic Medium" panose="020B0603020102020204" pitchFamily="34" charset="0"/>
               </a:rPr>
               <a:t>deseamos</a:t>
             </a:r>
             <a:r>
-              <a:rPr lang="en-US" b="0" i="0" dirty="0">
-                <a:effectLst/>
-                <a:latin typeface="Slack-Lato"/>
+              <a:rPr lang="en-US" sz="2800" b="0" i="0" dirty="0">
+                <a:effectLst>
+                  <a:outerShdw blurRad="38100" dist="38100" dir="2700000" algn="tl">
+                    <a:srgbClr val="000000">
+                      <a:alpha val="43137"/>
+                    </a:srgbClr>
+                  </a:outerShdw>
+                </a:effectLst>
+                <a:latin typeface="Franklin Gothic Medium" panose="020B0603020102020204" pitchFamily="34" charset="0"/>
               </a:rPr>
               <a:t> que sea </a:t>
             </a:r>
             <a:r>
-              <a:rPr lang="en-US" b="0" i="0" dirty="0" err="1">
-                <a:effectLst/>
-                <a:latin typeface="Slack-Lato"/>
+              <a:rPr lang="en-US" sz="2800" b="0" i="0" dirty="0" err="1">
+                <a:effectLst>
+                  <a:outerShdw blurRad="38100" dist="38100" dir="2700000" algn="tl">
+                    <a:srgbClr val="000000">
+                      <a:alpha val="43137"/>
+                    </a:srgbClr>
+                  </a:outerShdw>
+                </a:effectLst>
+                <a:latin typeface="Franklin Gothic Medium" panose="020B0603020102020204" pitchFamily="34" charset="0"/>
               </a:rPr>
               <a:t>parte</a:t>
             </a:r>
             <a:r>
-              <a:rPr lang="en-US" b="0" i="0" dirty="0">
-                <a:effectLst/>
-                <a:latin typeface="Slack-Lato"/>
+              <a:rPr lang="en-US" sz="2800" b="0" i="0" dirty="0">
+                <a:effectLst>
+                  <a:outerShdw blurRad="38100" dist="38100" dir="2700000" algn="tl">
+                    <a:srgbClr val="000000">
+                      <a:alpha val="43137"/>
+                    </a:srgbClr>
+                  </a:outerShdw>
+                </a:effectLst>
+                <a:latin typeface="Franklin Gothic Medium" panose="020B0603020102020204" pitchFamily="34" charset="0"/>
               </a:rPr>
               <a:t> de una </a:t>
             </a:r>
             <a:r>
-              <a:rPr lang="en-US" b="0" i="0" dirty="0" err="1">
-                <a:effectLst/>
-                <a:latin typeface="Slack-Lato"/>
+              <a:rPr lang="en-US" sz="2800" b="0" i="0" dirty="0" err="1">
+                <a:effectLst>
+                  <a:outerShdw blurRad="38100" dist="38100" dir="2700000" algn="tl">
+                    <a:srgbClr val="000000">
+                      <a:alpha val="43137"/>
+                    </a:srgbClr>
+                  </a:outerShdw>
+                </a:effectLst>
+                <a:latin typeface="Franklin Gothic Medium" panose="020B0603020102020204" pitchFamily="34" charset="0"/>
               </a:rPr>
               <a:t>serialización</a:t>
             </a:r>
             <a:r>
-              <a:rPr lang="en-US" b="0" i="0" dirty="0">
-                <a:effectLst/>
-                <a:latin typeface="Slack-Lato"/>
+              <a:rPr lang="en-US" sz="2800" b="0" i="0" dirty="0">
+                <a:effectLst>
+                  <a:outerShdw blurRad="38100" dist="38100" dir="2700000" algn="tl">
+                    <a:srgbClr val="000000">
+                      <a:alpha val="43137"/>
+                    </a:srgbClr>
+                  </a:outerShdw>
+                </a:effectLst>
+                <a:latin typeface="Franklin Gothic Medium" panose="020B0603020102020204" pitchFamily="34" charset="0"/>
               </a:rPr>
               <a:t>, para </a:t>
             </a:r>
             <a:r>
-              <a:rPr lang="en-US" b="0" i="0" dirty="0" err="1">
-                <a:effectLst/>
-                <a:latin typeface="Slack-Lato"/>
+              <a:rPr lang="en-US" sz="2800" b="0" i="0" dirty="0" err="1">
+                <a:effectLst>
+                  <a:outerShdw blurRad="38100" dist="38100" dir="2700000" algn="tl">
+                    <a:srgbClr val="000000">
+                      <a:alpha val="43137"/>
+                    </a:srgbClr>
+                  </a:outerShdw>
+                </a:effectLst>
+                <a:latin typeface="Franklin Gothic Medium" panose="020B0603020102020204" pitchFamily="34" charset="0"/>
               </a:rPr>
               <a:t>eso</a:t>
             </a:r>
             <a:r>
-              <a:rPr lang="en-US" b="0" i="0" dirty="0">
-                <a:effectLst/>
-                <a:latin typeface="Slack-Lato"/>
+              <a:rPr lang="en-US" sz="2800" b="0" i="0" dirty="0">
+                <a:effectLst>
+                  <a:outerShdw blurRad="38100" dist="38100" dir="2700000" algn="tl">
+                    <a:srgbClr val="000000">
+                      <a:alpha val="43137"/>
+                    </a:srgbClr>
+                  </a:outerShdw>
+                </a:effectLst>
+                <a:latin typeface="Franklin Gothic Medium" panose="020B0603020102020204" pitchFamily="34" charset="0"/>
               </a:rPr>
               <a:t> </a:t>
             </a:r>
             <a:r>
-              <a:rPr lang="en-US" b="0" i="0" dirty="0" err="1">
-                <a:effectLst/>
-                <a:latin typeface="Slack-Lato"/>
+              <a:rPr lang="en-US" sz="2800" b="0" i="0" dirty="0" err="1">
+                <a:effectLst>
+                  <a:outerShdw blurRad="38100" dist="38100" dir="2700000" algn="tl">
+                    <a:srgbClr val="000000">
+                      <a:alpha val="43137"/>
+                    </a:srgbClr>
+                  </a:outerShdw>
+                </a:effectLst>
+                <a:latin typeface="Franklin Gothic Medium" panose="020B0603020102020204" pitchFamily="34" charset="0"/>
               </a:rPr>
               <a:t>podemos</a:t>
             </a:r>
             <a:r>
-              <a:rPr lang="en-US" b="0" i="0" dirty="0">
-                <a:effectLst/>
-                <a:latin typeface="Slack-Lato"/>
+              <a:rPr lang="en-US" sz="2800" b="0" i="0" dirty="0">
+                <a:effectLst>
+                  <a:outerShdw blurRad="38100" dist="38100" dir="2700000" algn="tl">
+                    <a:srgbClr val="000000">
+                      <a:alpha val="43137"/>
+                    </a:srgbClr>
+                  </a:outerShdw>
+                </a:effectLst>
+                <a:latin typeface="Franklin Gothic Medium" panose="020B0603020102020204" pitchFamily="34" charset="0"/>
               </a:rPr>
               <a:t> </a:t>
             </a:r>
             <a:r>
-              <a:rPr lang="en-US" b="0" i="0" dirty="0" err="1">
-                <a:effectLst/>
-                <a:latin typeface="Slack-Lato"/>
+              <a:rPr lang="en-US" sz="2800" b="0" i="0" dirty="0" err="1">
+                <a:effectLst>
+                  <a:outerShdw blurRad="38100" dist="38100" dir="2700000" algn="tl">
+                    <a:srgbClr val="000000">
+                      <a:alpha val="43137"/>
+                    </a:srgbClr>
+                  </a:outerShdw>
+                </a:effectLst>
+                <a:latin typeface="Franklin Gothic Medium" panose="020B0603020102020204" pitchFamily="34" charset="0"/>
               </a:rPr>
               <a:t>utilizar</a:t>
             </a:r>
-            <a:endParaRPr lang="en-US" b="0" i="0" dirty="0">
-              <a:effectLst/>
-              <a:latin typeface="Slack-Lato"/>
+            <a:endParaRPr lang="en-US" sz="2800" b="0" i="0" dirty="0">
+              <a:effectLst>
+                <a:outerShdw blurRad="38100" dist="38100" dir="2700000" algn="tl">
+                  <a:srgbClr val="000000">
+                    <a:alpha val="43137"/>
+                  </a:srgbClr>
+                </a:outerShdw>
+              </a:effectLst>
+              <a:latin typeface="Franklin Gothic Medium" panose="020B0603020102020204" pitchFamily="34" charset="0"/>
             </a:endParaRPr>
           </a:p>
           <a:p>
             <a:pPr lvl="1"/>
             <a:r>
-              <a:rPr lang="en-US" b="0" i="0" dirty="0">
-                <a:effectLst/>
-                <a:latin typeface="Slack-Lato"/>
+              <a:rPr lang="en-US" sz="2800" b="0" i="0" dirty="0">
+                <a:effectLst>
+                  <a:outerShdw blurRad="38100" dist="38100" dir="2700000" algn="tl">
+                    <a:srgbClr val="000000">
+                      <a:alpha val="43137"/>
+                    </a:srgbClr>
+                  </a:outerShdw>
+                </a:effectLst>
+                <a:latin typeface="Franklin Gothic Medium" panose="020B0603020102020204" pitchFamily="34" charset="0"/>
               </a:rPr>
               <a:t>Para </a:t>
             </a:r>
             <a:r>
-              <a:rPr lang="en-US" b="0" i="0" dirty="0" err="1">
-                <a:effectLst/>
-                <a:latin typeface="Slack-Lato"/>
+              <a:rPr lang="en-US" sz="2800" b="0" i="0" dirty="0" err="1">
+                <a:effectLst>
+                  <a:outerShdw blurRad="38100" dist="38100" dir="2700000" algn="tl">
+                    <a:srgbClr val="000000">
+                      <a:alpha val="43137"/>
+                    </a:srgbClr>
+                  </a:outerShdw>
+                </a:effectLst>
+                <a:latin typeface="Franklin Gothic Medium" panose="020B0603020102020204" pitchFamily="34" charset="0"/>
               </a:rPr>
               <a:t>atributos</a:t>
             </a:r>
             <a:r>
-              <a:rPr lang="en-US" dirty="0">
-                <a:latin typeface="Slack-Lato"/>
+              <a:rPr lang="en-US" sz="2800" dirty="0">
+                <a:effectLst>
+                  <a:outerShdw blurRad="38100" dist="38100" dir="2700000" algn="tl">
+                    <a:srgbClr val="000000">
+                      <a:alpha val="43137"/>
+                    </a:srgbClr>
+                  </a:outerShdw>
+                </a:effectLst>
+                <a:latin typeface="Franklin Gothic Medium" panose="020B0603020102020204" pitchFamily="34" charset="0"/>
               </a:rPr>
               <a:t>: </a:t>
             </a:r>
             <a:r>
-              <a:rPr lang="en-US" b="0" i="0" dirty="0">
-                <a:effectLst/>
-                <a:latin typeface="Slack-Lato"/>
+              <a:rPr lang="en-US" sz="2800" b="0" i="0" dirty="0">
+                <a:effectLst>
+                  <a:outerShdw blurRad="38100" dist="38100" dir="2700000" algn="tl">
+                    <a:srgbClr val="000000">
+                      <a:alpha val="43137"/>
+                    </a:srgbClr>
+                  </a:outerShdw>
+                </a:effectLst>
+                <a:latin typeface="Franklin Gothic Medium" panose="020B0603020102020204" pitchFamily="34" charset="0"/>
               </a:rPr>
               <a:t>[field: </a:t>
             </a:r>
             <a:r>
-              <a:rPr lang="en-US" b="0" i="0" dirty="0" err="1">
-                <a:effectLst/>
-                <a:latin typeface="Slack-Lato"/>
+              <a:rPr lang="en-US" sz="2800" b="0" i="0" dirty="0" err="1">
+                <a:effectLst>
+                  <a:outerShdw blurRad="38100" dist="38100" dir="2700000" algn="tl">
+                    <a:srgbClr val="000000">
+                      <a:alpha val="43137"/>
+                    </a:srgbClr>
+                  </a:outerShdw>
+                </a:effectLst>
+                <a:latin typeface="Franklin Gothic Medium" panose="020B0603020102020204" pitchFamily="34" charset="0"/>
               </a:rPr>
               <a:t>NonSerialized</a:t>
             </a:r>
             <a:r>
-              <a:rPr lang="en-US" b="0" i="0" dirty="0">
-                <a:effectLst/>
-                <a:latin typeface="Slack-Lato"/>
+              <a:rPr lang="en-US" sz="2800" b="0" i="0" dirty="0">
+                <a:effectLst>
+                  <a:outerShdw blurRad="38100" dist="38100" dir="2700000" algn="tl">
+                    <a:srgbClr val="000000">
+                      <a:alpha val="43137"/>
+                    </a:srgbClr>
+                  </a:outerShdw>
+                </a:effectLst>
+                <a:latin typeface="Franklin Gothic Medium" panose="020B0603020102020204" pitchFamily="34" charset="0"/>
               </a:rPr>
               <a:t>]</a:t>
             </a:r>
@@ -10250,60 +10463,127 @@
           <a:p>
             <a:pPr lvl="1"/>
             <a:r>
-              <a:rPr lang="en-US" b="0" i="0" dirty="0">
-                <a:effectLst/>
-                <a:latin typeface="Slack-Lato"/>
+              <a:rPr lang="en-US" sz="2800" b="0" i="0" dirty="0">
+                <a:effectLst>
+                  <a:outerShdw blurRad="38100" dist="38100" dir="2700000" algn="tl">
+                    <a:srgbClr val="000000">
+                      <a:alpha val="43137"/>
+                    </a:srgbClr>
+                  </a:outerShdw>
+                </a:effectLst>
+                <a:latin typeface="Franklin Gothic Medium" panose="020B0603020102020204" pitchFamily="34" charset="0"/>
               </a:rPr>
               <a:t>Para </a:t>
             </a:r>
             <a:r>
-              <a:rPr lang="en-US" b="0" i="0" dirty="0" err="1">
-                <a:effectLst/>
-                <a:latin typeface="Slack-Lato"/>
+              <a:rPr lang="en-US" sz="2800" b="0" i="0" dirty="0" err="1">
+                <a:effectLst>
+                  <a:outerShdw blurRad="38100" dist="38100" dir="2700000" algn="tl">
+                    <a:srgbClr val="000000">
+                      <a:alpha val="43137"/>
+                    </a:srgbClr>
+                  </a:outerShdw>
+                </a:effectLst>
+                <a:latin typeface="Franklin Gothic Medium" panose="020B0603020102020204" pitchFamily="34" charset="0"/>
               </a:rPr>
               <a:t>propiedades</a:t>
             </a:r>
             <a:r>
-              <a:rPr lang="en-US" b="0" i="0" dirty="0">
-                <a:effectLst/>
-                <a:latin typeface="Slack-Lato"/>
+              <a:rPr lang="en-US" sz="2800" b="0" i="0" dirty="0">
+                <a:effectLst>
+                  <a:outerShdw blurRad="38100" dist="38100" dir="2700000" algn="tl">
+                    <a:srgbClr val="000000">
+                      <a:alpha val="43137"/>
+                    </a:srgbClr>
+                  </a:outerShdw>
+                </a:effectLst>
+                <a:latin typeface="Franklin Gothic Medium" panose="020B0603020102020204" pitchFamily="34" charset="0"/>
               </a:rPr>
               <a:t>: [field: </a:t>
             </a:r>
             <a:r>
-              <a:rPr lang="en-US" b="0" i="0" dirty="0" err="1">
-                <a:effectLst/>
-                <a:latin typeface="Slack-Lato"/>
+              <a:rPr lang="en-US" sz="2800" b="0" i="0" dirty="0" err="1">
+                <a:effectLst>
+                  <a:outerShdw blurRad="38100" dist="38100" dir="2700000" algn="tl">
+                    <a:srgbClr val="000000">
+                      <a:alpha val="43137"/>
+                    </a:srgbClr>
+                  </a:outerShdw>
+                </a:effectLst>
+                <a:latin typeface="Franklin Gothic Medium" panose="020B0603020102020204" pitchFamily="34" charset="0"/>
               </a:rPr>
               <a:t>NonSerialized</a:t>
             </a:r>
             <a:r>
-              <a:rPr lang="en-US" b="0" i="0" dirty="0">
-                <a:effectLst/>
-                <a:latin typeface="Slack-Lato"/>
+              <a:rPr lang="en-US" sz="2800" b="0" i="0" dirty="0">
+                <a:effectLst>
+                  <a:outerShdw blurRad="38100" dist="38100" dir="2700000" algn="tl">
+                    <a:srgbClr val="000000">
+                      <a:alpha val="43137"/>
+                    </a:srgbClr>
+                  </a:outerShdw>
+                </a:effectLst>
+                <a:latin typeface="Franklin Gothic Medium" panose="020B0603020102020204" pitchFamily="34" charset="0"/>
               </a:rPr>
               <a:t>]</a:t>
             </a:r>
           </a:p>
           <a:p>
-            <a:endParaRPr lang="en-US" u="none" strike="noStrike" dirty="0">
+            <a:endParaRPr lang="en-US" sz="2800" u="none" strike="noStrike" dirty="0">
               <a:solidFill>
                 <a:srgbClr val="D1D2D3"/>
               </a:solidFill>
-              <a:latin typeface="Slack-Lato"/>
-              <a:hlinkClick r:id="rId2"/>
+              <a:effectLst>
+                <a:outerShdw blurRad="38100" dist="38100" dir="2700000" algn="tl">
+                  <a:srgbClr val="000000">
+                    <a:alpha val="43137"/>
+                  </a:srgbClr>
+                </a:outerShdw>
+              </a:effectLst>
+              <a:latin typeface="Franklin Gothic Medium" panose="020B0603020102020204" pitchFamily="34" charset="0"/>
+              <a:hlinkClick r:id="rId2">
+                <a:extLst>
+                  <a:ext uri="{A12FA001-AC4F-418D-AE19-62706E023703}">
+                    <ahyp:hlinkClr xmlns:ahyp="http://schemas.microsoft.com/office/drawing/2018/hyperlinkcolor" val="tx"/>
+                  </a:ext>
+                </a:extLst>
+              </a:hlinkClick>
             </a:endParaRPr>
           </a:p>
           <a:p>
             <a:r>
-              <a:rPr lang="en-US" b="0" i="0" u="none" strike="noStrike" dirty="0">
-                <a:effectLst/>
-                <a:latin typeface="Slack-Lato"/>
-                <a:hlinkClick r:id="rId2"/>
+              <a:rPr lang="en-US" sz="2800" b="0" i="0" u="none" strike="noStrike" dirty="0">
+                <a:solidFill>
+                  <a:srgbClr val="FFAE3E"/>
+                </a:solidFill>
+                <a:effectLst>
+                  <a:outerShdw blurRad="38100" dist="38100" dir="2700000" algn="tl">
+                    <a:srgbClr val="000000">
+                      <a:alpha val="43137"/>
+                    </a:srgbClr>
+                  </a:outerShdw>
+                </a:effectLst>
+                <a:latin typeface="Franklin Gothic Medium" panose="020B0603020102020204" pitchFamily="34" charset="0"/>
+                <a:hlinkClick r:id="rId2">
+                  <a:extLst>
+                    <a:ext uri="{A12FA001-AC4F-418D-AE19-62706E023703}">
+                      <ahyp:hlinkClr xmlns:ahyp="http://schemas.microsoft.com/office/drawing/2018/hyperlinkcolor" val="tx"/>
+                    </a:ext>
+                  </a:extLst>
+                </a:hlinkClick>
               </a:rPr>
               <a:t>https://stackoverflow.com/questions/2389381/how-to-ignore-event-class-member-for-binary-serialization</a:t>
             </a:r>
-            <a:endParaRPr lang="es-AR" dirty="0"/>
+            <a:endParaRPr lang="es-AR" sz="2800" dirty="0">
+              <a:effectLst>
+                <a:outerShdw blurRad="38100" dist="38100" dir="2700000" algn="tl">
+                  <a:srgbClr val="000000">
+                    <a:alpha val="43137"/>
+                  </a:srgbClr>
+                </a:outerShdw>
+              </a:effectLst>
+              <a:latin typeface="Franklin Gothic Medium" panose="020B0603020102020204" pitchFamily="34" charset="0"/>
+            </a:endParaRPr>
           </a:p>
         </p:txBody>
       </p:sp>
@@ -11221,7 +11501,7 @@
 </file>
 
 <file path=ppt/slides/slide6.xml><?xml version="1.0" encoding="utf-8"?>
-<p:sld xmlns:a="http://schemas.openxmlformats.org/drawingml/2006/main" xmlns:r="http://schemas.openxmlformats.org/officeDocument/2006/relationships" xmlns:p="http://schemas.openxmlformats.org/presentationml/2006/main">
+<p:sld xmlns:a="http://schemas.openxmlformats.org/drawingml/2006/main" xmlns:r="http://schemas.openxmlformats.org/officeDocument/2006/relationships" xmlns:p="http://schemas.openxmlformats.org/presentationml/2006/main" show="0">
   <p:cSld>
     <p:spTree>
       <p:nvGrpSpPr>
@@ -11395,7 +11675,7 @@
 </file>
 
 <file path=ppt/slides/slide7.xml><?xml version="1.0" encoding="utf-8"?>
-<p:sld xmlns:a="http://schemas.openxmlformats.org/drawingml/2006/main" xmlns:r="http://schemas.openxmlformats.org/officeDocument/2006/relationships" xmlns:p="http://schemas.openxmlformats.org/presentationml/2006/main">
+<p:sld xmlns:a="http://schemas.openxmlformats.org/drawingml/2006/main" xmlns:r="http://schemas.openxmlformats.org/officeDocument/2006/relationships" xmlns:p="http://schemas.openxmlformats.org/presentationml/2006/main" show="0">
   <p:cSld>
     <p:spTree>
       <p:nvGrpSpPr>
